--- a/Employee/Documentation/Employee Attrition Analysis and Prediction.pptx
+++ b/Employee/Documentation/Employee Attrition Analysis and Prediction.pptx
@@ -18,12 +18,17 @@
     <p:sldId id="266" r:id="rId12"/>
     <p:sldId id="267" r:id="rId13"/>
     <p:sldId id="268" r:id="rId14"/>
-    <p:sldId id="269" r:id="rId15"/>
-    <p:sldId id="270" r:id="rId16"/>
-    <p:sldId id="271" r:id="rId17"/>
-    <p:sldId id="272" r:id="rId18"/>
-    <p:sldId id="273" r:id="rId19"/>
-    <p:sldId id="274" r:id="rId20"/>
+    <p:sldId id="276" r:id="rId15"/>
+    <p:sldId id="277" r:id="rId16"/>
+    <p:sldId id="278" r:id="rId17"/>
+    <p:sldId id="279" r:id="rId18"/>
+    <p:sldId id="280" r:id="rId19"/>
+    <p:sldId id="269" r:id="rId20"/>
+    <p:sldId id="270" r:id="rId21"/>
+    <p:sldId id="271" r:id="rId22"/>
+    <p:sldId id="272" r:id="rId23"/>
+    <p:sldId id="273" r:id="rId24"/>
+    <p:sldId id="274" r:id="rId25"/>
   </p:sldIdLst>
   <p:sldSz cx="12192000" cy="6858000"/>
   <p:notesSz cx="6858000" cy="9144000"/>
@@ -543,7 +548,7 @@
           <a:p>
             <a:fld id="{DF8ADDD9-71F1-44A4-B4BD-C6578CE00091}" type="datetimeFigureOut">
               <a:rPr lang="en-IN" smtClean="0"/>
-              <a:t>04-04-2025</a:t>
+              <a:t>06-04-2025</a:t>
             </a:fld>
             <a:endParaRPr lang="en-IN"/>
           </a:p>
@@ -743,7 +748,7 @@
           <a:p>
             <a:fld id="{DF8ADDD9-71F1-44A4-B4BD-C6578CE00091}" type="datetimeFigureOut">
               <a:rPr lang="en-IN" smtClean="0"/>
-              <a:t>04-04-2025</a:t>
+              <a:t>06-04-2025</a:t>
             </a:fld>
             <a:endParaRPr lang="en-IN"/>
           </a:p>
@@ -953,7 +958,7 @@
           <a:p>
             <a:fld id="{DF8ADDD9-71F1-44A4-B4BD-C6578CE00091}" type="datetimeFigureOut">
               <a:rPr lang="en-IN" smtClean="0"/>
-              <a:t>04-04-2025</a:t>
+              <a:t>06-04-2025</a:t>
             </a:fld>
             <a:endParaRPr lang="en-IN"/>
           </a:p>
@@ -1153,7 +1158,7 @@
           <a:p>
             <a:fld id="{DF8ADDD9-71F1-44A4-B4BD-C6578CE00091}" type="datetimeFigureOut">
               <a:rPr lang="en-IN" smtClean="0"/>
-              <a:t>04-04-2025</a:t>
+              <a:t>06-04-2025</a:t>
             </a:fld>
             <a:endParaRPr lang="en-IN"/>
           </a:p>
@@ -1429,7 +1434,7 @@
           <a:p>
             <a:fld id="{DF8ADDD9-71F1-44A4-B4BD-C6578CE00091}" type="datetimeFigureOut">
               <a:rPr lang="en-IN" smtClean="0"/>
-              <a:t>04-04-2025</a:t>
+              <a:t>06-04-2025</a:t>
             </a:fld>
             <a:endParaRPr lang="en-IN"/>
           </a:p>
@@ -1697,7 +1702,7 @@
           <a:p>
             <a:fld id="{DF8ADDD9-71F1-44A4-B4BD-C6578CE00091}" type="datetimeFigureOut">
               <a:rPr lang="en-IN" smtClean="0"/>
-              <a:t>04-04-2025</a:t>
+              <a:t>06-04-2025</a:t>
             </a:fld>
             <a:endParaRPr lang="en-IN"/>
           </a:p>
@@ -2112,7 +2117,7 @@
           <a:p>
             <a:fld id="{DF8ADDD9-71F1-44A4-B4BD-C6578CE00091}" type="datetimeFigureOut">
               <a:rPr lang="en-IN" smtClean="0"/>
-              <a:t>04-04-2025</a:t>
+              <a:t>06-04-2025</a:t>
             </a:fld>
             <a:endParaRPr lang="en-IN"/>
           </a:p>
@@ -2254,7 +2259,7 @@
           <a:p>
             <a:fld id="{DF8ADDD9-71F1-44A4-B4BD-C6578CE00091}" type="datetimeFigureOut">
               <a:rPr lang="en-IN" smtClean="0"/>
-              <a:t>04-04-2025</a:t>
+              <a:t>06-04-2025</a:t>
             </a:fld>
             <a:endParaRPr lang="en-IN"/>
           </a:p>
@@ -2367,7 +2372,7 @@
           <a:p>
             <a:fld id="{DF8ADDD9-71F1-44A4-B4BD-C6578CE00091}" type="datetimeFigureOut">
               <a:rPr lang="en-IN" smtClean="0"/>
-              <a:t>04-04-2025</a:t>
+              <a:t>06-04-2025</a:t>
             </a:fld>
             <a:endParaRPr lang="en-IN"/>
           </a:p>
@@ -2680,7 +2685,7 @@
           <a:p>
             <a:fld id="{DF8ADDD9-71F1-44A4-B4BD-C6578CE00091}" type="datetimeFigureOut">
               <a:rPr lang="en-IN" smtClean="0"/>
-              <a:t>04-04-2025</a:t>
+              <a:t>06-04-2025</a:t>
             </a:fld>
             <a:endParaRPr lang="en-IN"/>
           </a:p>
@@ -2969,7 +2974,7 @@
           <a:p>
             <a:fld id="{DF8ADDD9-71F1-44A4-B4BD-C6578CE00091}" type="datetimeFigureOut">
               <a:rPr lang="en-IN" smtClean="0"/>
-              <a:t>04-04-2025</a:t>
+              <a:t>06-04-2025</a:t>
             </a:fld>
             <a:endParaRPr lang="en-IN"/>
           </a:p>
@@ -3212,7 +3217,7 @@
           <a:p>
             <a:fld id="{DF8ADDD9-71F1-44A4-B4BD-C6578CE00091}" type="datetimeFigureOut">
               <a:rPr lang="en-IN" smtClean="0"/>
-              <a:t>04-04-2025</a:t>
+              <a:t>06-04-2025</a:t>
             </a:fld>
             <a:endParaRPr lang="en-IN"/>
           </a:p>
@@ -4436,6 +4441,601 @@
           <p:cNvPr id="2" name="Title 1">
             <a:extLst>
               <a:ext uri="{FF2B5EF4-FFF2-40B4-BE49-F238E27FC236}">
+                <a16:creationId xmlns:a16="http://schemas.microsoft.com/office/drawing/2014/main" id="{D06AF35E-602B-A549-9CFF-EB78C8CC4494}"/>
+              </a:ext>
+            </a:extLst>
+          </p:cNvPr>
+          <p:cNvSpPr>
+            <a:spLocks noGrp="1"/>
+          </p:cNvSpPr>
+          <p:nvPr>
+            <p:ph type="title"/>
+          </p:nvPr>
+        </p:nvSpPr>
+        <p:spPr/>
+        <p:txBody>
+          <a:bodyPr/>
+          <a:lstStyle/>
+          <a:p>
+            <a:pPr algn="ctr"/>
+            <a:r>
+              <a:rPr lang="en-IN" dirty="0"/>
+              <a:t>INSIGHTS WITH SQL</a:t>
+            </a:r>
+          </a:p>
+        </p:txBody>
+      </p:sp>
+      <p:pic>
+        <p:nvPicPr>
+          <p:cNvPr id="5" name="Content Placeholder 4">
+            <a:extLst>
+              <a:ext uri="{FF2B5EF4-FFF2-40B4-BE49-F238E27FC236}">
+                <a16:creationId xmlns:a16="http://schemas.microsoft.com/office/drawing/2014/main" id="{067A4EF6-BA49-1DB3-7B2E-B5ACB63EDBF7}"/>
+              </a:ext>
+            </a:extLst>
+          </p:cNvPr>
+          <p:cNvPicPr>
+            <a:picLocks noGrp="1" noChangeAspect="1"/>
+          </p:cNvPicPr>
+          <p:nvPr>
+            <p:ph idx="1"/>
+          </p:nvPr>
+        </p:nvPicPr>
+        <p:blipFill>
+          <a:blip r:embed="rId2"/>
+          <a:stretch>
+            <a:fillRect/>
+          </a:stretch>
+        </p:blipFill>
+        <p:spPr>
+          <a:xfrm>
+            <a:off x="82487" y="2216647"/>
+            <a:ext cx="5698880" cy="3489278"/>
+          </a:xfrm>
+        </p:spPr>
+      </p:pic>
+      <p:pic>
+        <p:nvPicPr>
+          <p:cNvPr id="7" name="Picture 6">
+            <a:extLst>
+              <a:ext uri="{FF2B5EF4-FFF2-40B4-BE49-F238E27FC236}">
+                <a16:creationId xmlns:a16="http://schemas.microsoft.com/office/drawing/2014/main" id="{BDCE44D3-D9EF-1A47-15E9-C9816B5F91DF}"/>
+              </a:ext>
+            </a:extLst>
+          </p:cNvPr>
+          <p:cNvPicPr>
+            <a:picLocks noChangeAspect="1"/>
+          </p:cNvPicPr>
+          <p:nvPr/>
+        </p:nvPicPr>
+        <p:blipFill>
+          <a:blip r:embed="rId3"/>
+          <a:stretch>
+            <a:fillRect/>
+          </a:stretch>
+        </p:blipFill>
+        <p:spPr>
+          <a:xfrm>
+            <a:off x="6096000" y="2802195"/>
+            <a:ext cx="6096000" cy="2903730"/>
+          </a:xfrm>
+          <a:prstGeom prst="rect">
+            <a:avLst/>
+          </a:prstGeom>
+        </p:spPr>
+      </p:pic>
+    </p:spTree>
+    <p:extLst>
+      <p:ext uri="{BB962C8B-B14F-4D97-AF65-F5344CB8AC3E}">
+        <p14:creationId xmlns:p14="http://schemas.microsoft.com/office/powerpoint/2010/main" val="2660527619"/>
+      </p:ext>
+    </p:extLst>
+  </p:cSld>
+  <p:clrMapOvr>
+    <a:masterClrMapping/>
+  </p:clrMapOvr>
+</p:sld>
+</file>
+
+<file path=ppt/slides/slide15.xml><?xml version="1.0" encoding="utf-8"?>
+<p:sld xmlns:a="http://schemas.openxmlformats.org/drawingml/2006/main" xmlns:r="http://schemas.openxmlformats.org/officeDocument/2006/relationships" xmlns:p="http://schemas.openxmlformats.org/presentationml/2006/main">
+  <p:cSld>
+    <p:spTree>
+      <p:nvGrpSpPr>
+        <p:cNvPr id="1" name=""/>
+        <p:cNvGrpSpPr/>
+        <p:nvPr/>
+      </p:nvGrpSpPr>
+      <p:grpSpPr>
+        <a:xfrm>
+          <a:off x="0" y="0"/>
+          <a:ext cx="0" cy="0"/>
+          <a:chOff x="0" y="0"/>
+          <a:chExt cx="0" cy="0"/>
+        </a:xfrm>
+      </p:grpSpPr>
+      <p:pic>
+        <p:nvPicPr>
+          <p:cNvPr id="5" name="Content Placeholder 4">
+            <a:extLst>
+              <a:ext uri="{FF2B5EF4-FFF2-40B4-BE49-F238E27FC236}">
+                <a16:creationId xmlns:a16="http://schemas.microsoft.com/office/drawing/2014/main" id="{DE008D0E-F7B2-BFBC-8A64-28680FC49277}"/>
+              </a:ext>
+            </a:extLst>
+          </p:cNvPr>
+          <p:cNvPicPr>
+            <a:picLocks noGrp="1" noChangeAspect="1"/>
+          </p:cNvPicPr>
+          <p:nvPr>
+            <p:ph idx="1"/>
+          </p:nvPr>
+        </p:nvPicPr>
+        <p:blipFill>
+          <a:blip r:embed="rId2"/>
+          <a:srcRect t="23861"/>
+          <a:stretch/>
+        </p:blipFill>
+        <p:spPr>
+          <a:xfrm>
+            <a:off x="1773759" y="1150374"/>
+            <a:ext cx="7580671" cy="1444041"/>
+          </a:xfrm>
+        </p:spPr>
+      </p:pic>
+      <p:pic>
+        <p:nvPicPr>
+          <p:cNvPr id="7" name="Picture 6">
+            <a:extLst>
+              <a:ext uri="{FF2B5EF4-FFF2-40B4-BE49-F238E27FC236}">
+                <a16:creationId xmlns:a16="http://schemas.microsoft.com/office/drawing/2014/main" id="{2AE2B9B6-9EE9-386D-4748-B87AF984682F}"/>
+              </a:ext>
+            </a:extLst>
+          </p:cNvPr>
+          <p:cNvPicPr>
+            <a:picLocks noChangeAspect="1"/>
+          </p:cNvPicPr>
+          <p:nvPr/>
+        </p:nvPicPr>
+        <p:blipFill>
+          <a:blip r:embed="rId3"/>
+          <a:stretch>
+            <a:fillRect/>
+          </a:stretch>
+        </p:blipFill>
+        <p:spPr>
+          <a:xfrm>
+            <a:off x="1849950" y="2594415"/>
+            <a:ext cx="7428291" cy="1654535"/>
+          </a:xfrm>
+          <a:prstGeom prst="rect">
+            <a:avLst/>
+          </a:prstGeom>
+        </p:spPr>
+      </p:pic>
+      <p:pic>
+        <p:nvPicPr>
+          <p:cNvPr id="9" name="Picture 8">
+            <a:extLst>
+              <a:ext uri="{FF2B5EF4-FFF2-40B4-BE49-F238E27FC236}">
+                <a16:creationId xmlns:a16="http://schemas.microsoft.com/office/drawing/2014/main" id="{38D96E03-0E90-F71F-7269-92147033B058}"/>
+              </a:ext>
+            </a:extLst>
+          </p:cNvPr>
+          <p:cNvPicPr>
+            <a:picLocks noChangeAspect="1"/>
+          </p:cNvPicPr>
+          <p:nvPr/>
+        </p:nvPicPr>
+        <p:blipFill>
+          <a:blip r:embed="rId4"/>
+          <a:stretch>
+            <a:fillRect/>
+          </a:stretch>
+        </p:blipFill>
+        <p:spPr>
+          <a:xfrm>
+            <a:off x="2873386" y="4248950"/>
+            <a:ext cx="5381420" cy="2609050"/>
+          </a:xfrm>
+          <a:prstGeom prst="rect">
+            <a:avLst/>
+          </a:prstGeom>
+        </p:spPr>
+      </p:pic>
+      <p:sp>
+        <p:nvSpPr>
+          <p:cNvPr id="10" name="TextBox 9">
+            <a:extLst>
+              <a:ext uri="{FF2B5EF4-FFF2-40B4-BE49-F238E27FC236}">
+                <a16:creationId xmlns:a16="http://schemas.microsoft.com/office/drawing/2014/main" id="{1CA7886E-E517-5380-5816-C60AE5A55407}"/>
+              </a:ext>
+            </a:extLst>
+          </p:cNvPr>
+          <p:cNvSpPr txBox="1"/>
+          <p:nvPr/>
+        </p:nvSpPr>
+        <p:spPr>
+          <a:xfrm>
+            <a:off x="1601696" y="45219"/>
+            <a:ext cx="7924800" cy="461665"/>
+          </a:xfrm>
+          <a:prstGeom prst="rect">
+            <a:avLst/>
+          </a:prstGeom>
+          <a:noFill/>
+        </p:spPr>
+        <p:txBody>
+          <a:bodyPr wrap="square" rtlCol="0">
+            <a:spAutoFit/>
+          </a:bodyPr>
+          <a:lstStyle/>
+          <a:p>
+            <a:pPr algn="ctr"/>
+            <a:r>
+              <a:rPr lang="en-IN" sz="2400" dirty="0"/>
+              <a:t>DEPARTMENT DISTRIBUTION WITH GROUP BY</a:t>
+            </a:r>
+          </a:p>
+        </p:txBody>
+      </p:sp>
+      <p:sp>
+        <p:nvSpPr>
+          <p:cNvPr id="11" name="TextBox 10">
+            <a:extLst>
+              <a:ext uri="{FF2B5EF4-FFF2-40B4-BE49-F238E27FC236}">
+                <a16:creationId xmlns:a16="http://schemas.microsoft.com/office/drawing/2014/main" id="{0BE0BCEB-88A0-403A-5D13-21A7DA91552F}"/>
+              </a:ext>
+            </a:extLst>
+          </p:cNvPr>
+          <p:cNvSpPr txBox="1"/>
+          <p:nvPr/>
+        </p:nvSpPr>
+        <p:spPr>
+          <a:xfrm>
+            <a:off x="1691148" y="506884"/>
+            <a:ext cx="7737987" cy="369332"/>
+          </a:xfrm>
+          <a:prstGeom prst="rect">
+            <a:avLst/>
+          </a:prstGeom>
+          <a:noFill/>
+        </p:spPr>
+        <p:txBody>
+          <a:bodyPr wrap="square" rtlCol="0">
+            <a:spAutoFit/>
+          </a:bodyPr>
+          <a:lstStyle/>
+          <a:p>
+            <a:pPr algn="ctr"/>
+            <a:r>
+              <a:rPr lang="en-IN" dirty="0"/>
+              <a:t>NUMBER OF EMPLOYEE WORKING IN VARIOUS DEPARTMENT</a:t>
+            </a:r>
+          </a:p>
+        </p:txBody>
+      </p:sp>
+    </p:spTree>
+    <p:extLst>
+      <p:ext uri="{BB962C8B-B14F-4D97-AF65-F5344CB8AC3E}">
+        <p14:creationId xmlns:p14="http://schemas.microsoft.com/office/powerpoint/2010/main" val="691512300"/>
+      </p:ext>
+    </p:extLst>
+  </p:cSld>
+  <p:clrMapOvr>
+    <a:masterClrMapping/>
+  </p:clrMapOvr>
+</p:sld>
+</file>
+
+<file path=ppt/slides/slide16.xml><?xml version="1.0" encoding="utf-8"?>
+<p:sld xmlns:a="http://schemas.openxmlformats.org/drawingml/2006/main" xmlns:r="http://schemas.openxmlformats.org/officeDocument/2006/relationships" xmlns:p="http://schemas.openxmlformats.org/presentationml/2006/main">
+  <p:cSld>
+    <p:spTree>
+      <p:nvGrpSpPr>
+        <p:cNvPr id="1" name=""/>
+        <p:cNvGrpSpPr/>
+        <p:nvPr/>
+      </p:nvGrpSpPr>
+      <p:grpSpPr>
+        <a:xfrm>
+          <a:off x="0" y="0"/>
+          <a:ext cx="0" cy="0"/>
+          <a:chOff x="0" y="0"/>
+          <a:chExt cx="0" cy="0"/>
+        </a:xfrm>
+      </p:grpSpPr>
+      <p:sp>
+        <p:nvSpPr>
+          <p:cNvPr id="2" name="Title 1">
+            <a:extLst>
+              <a:ext uri="{FF2B5EF4-FFF2-40B4-BE49-F238E27FC236}">
+                <a16:creationId xmlns:a16="http://schemas.microsoft.com/office/drawing/2014/main" id="{5BC6B988-073D-6F61-25CD-D4E41B1D0EBA}"/>
+              </a:ext>
+            </a:extLst>
+          </p:cNvPr>
+          <p:cNvSpPr>
+            <a:spLocks noGrp="1"/>
+          </p:cNvSpPr>
+          <p:nvPr>
+            <p:ph type="title"/>
+          </p:nvPr>
+        </p:nvSpPr>
+        <p:spPr>
+          <a:xfrm>
+            <a:off x="838200" y="131535"/>
+            <a:ext cx="10515600" cy="727587"/>
+          </a:xfrm>
+        </p:spPr>
+        <p:txBody>
+          <a:bodyPr>
+            <a:normAutofit/>
+          </a:bodyPr>
+          <a:lstStyle/>
+          <a:p>
+            <a:pPr algn="ctr"/>
+            <a:r>
+              <a:rPr lang="en-IN" sz="1800" dirty="0"/>
+              <a:t>NUMBER OF EMPLOYEE FROM VARIOUS EDUCATION FIELD HAVING MORE THAN 100 EMPLOYEE [WITH HAVING]</a:t>
+            </a:r>
+          </a:p>
+        </p:txBody>
+      </p:sp>
+      <p:pic>
+        <p:nvPicPr>
+          <p:cNvPr id="5" name="Content Placeholder 4">
+            <a:extLst>
+              <a:ext uri="{FF2B5EF4-FFF2-40B4-BE49-F238E27FC236}">
+                <a16:creationId xmlns:a16="http://schemas.microsoft.com/office/drawing/2014/main" id="{68CD702E-C27A-6444-446B-4F02D8B84601}"/>
+              </a:ext>
+            </a:extLst>
+          </p:cNvPr>
+          <p:cNvPicPr>
+            <a:picLocks noGrp="1" noChangeAspect="1"/>
+          </p:cNvPicPr>
+          <p:nvPr>
+            <p:ph idx="1"/>
+          </p:nvPr>
+        </p:nvPicPr>
+        <p:blipFill>
+          <a:blip r:embed="rId2"/>
+          <a:srcRect t="8602"/>
+          <a:stretch/>
+        </p:blipFill>
+        <p:spPr>
+          <a:xfrm>
+            <a:off x="2035277" y="859122"/>
+            <a:ext cx="7551174" cy="3453494"/>
+          </a:xfrm>
+        </p:spPr>
+      </p:pic>
+      <p:pic>
+        <p:nvPicPr>
+          <p:cNvPr id="9" name="Picture 8">
+            <a:extLst>
+              <a:ext uri="{FF2B5EF4-FFF2-40B4-BE49-F238E27FC236}">
+                <a16:creationId xmlns:a16="http://schemas.microsoft.com/office/drawing/2014/main" id="{80178A52-78EB-DD81-25B9-415653119B2D}"/>
+              </a:ext>
+            </a:extLst>
+          </p:cNvPr>
+          <p:cNvPicPr>
+            <a:picLocks noChangeAspect="1"/>
+          </p:cNvPicPr>
+          <p:nvPr/>
+        </p:nvPicPr>
+        <p:blipFill>
+          <a:blip r:embed="rId3"/>
+          <a:stretch>
+            <a:fillRect/>
+          </a:stretch>
+        </p:blipFill>
+        <p:spPr>
+          <a:xfrm>
+            <a:off x="3750275" y="4332943"/>
+            <a:ext cx="4691450" cy="2393522"/>
+          </a:xfrm>
+          <a:prstGeom prst="rect">
+            <a:avLst/>
+          </a:prstGeom>
+        </p:spPr>
+      </p:pic>
+    </p:spTree>
+    <p:extLst>
+      <p:ext uri="{BB962C8B-B14F-4D97-AF65-F5344CB8AC3E}">
+        <p14:creationId xmlns:p14="http://schemas.microsoft.com/office/powerpoint/2010/main" val="1100922935"/>
+      </p:ext>
+    </p:extLst>
+  </p:cSld>
+  <p:clrMapOvr>
+    <a:masterClrMapping/>
+  </p:clrMapOvr>
+</p:sld>
+</file>
+
+<file path=ppt/slides/slide17.xml><?xml version="1.0" encoding="utf-8"?>
+<p:sld xmlns:a="http://schemas.openxmlformats.org/drawingml/2006/main" xmlns:r="http://schemas.openxmlformats.org/officeDocument/2006/relationships" xmlns:p="http://schemas.openxmlformats.org/presentationml/2006/main">
+  <p:cSld>
+    <p:spTree>
+      <p:nvGrpSpPr>
+        <p:cNvPr id="1" name=""/>
+        <p:cNvGrpSpPr/>
+        <p:nvPr/>
+      </p:nvGrpSpPr>
+      <p:grpSpPr>
+        <a:xfrm>
+          <a:off x="0" y="0"/>
+          <a:ext cx="0" cy="0"/>
+          <a:chOff x="0" y="0"/>
+          <a:chExt cx="0" cy="0"/>
+        </a:xfrm>
+      </p:grpSpPr>
+      <p:sp>
+        <p:nvSpPr>
+          <p:cNvPr id="2" name="Title 1">
+            <a:extLst>
+              <a:ext uri="{FF2B5EF4-FFF2-40B4-BE49-F238E27FC236}">
+                <a16:creationId xmlns:a16="http://schemas.microsoft.com/office/drawing/2014/main" id="{1DEC8466-223A-AE53-82A3-B1F5E2B90A47}"/>
+              </a:ext>
+            </a:extLst>
+          </p:cNvPr>
+          <p:cNvSpPr>
+            <a:spLocks noGrp="1"/>
+          </p:cNvSpPr>
+          <p:nvPr>
+            <p:ph type="title"/>
+          </p:nvPr>
+        </p:nvSpPr>
+        <p:spPr>
+          <a:xfrm>
+            <a:off x="838200" y="365126"/>
+            <a:ext cx="10515600" cy="529610"/>
+          </a:xfrm>
+        </p:spPr>
+        <p:txBody>
+          <a:bodyPr>
+            <a:normAutofit/>
+          </a:bodyPr>
+          <a:lstStyle/>
+          <a:p>
+            <a:pPr algn="ctr"/>
+            <a:r>
+              <a:rPr lang="en-US" sz="2400" b="1" dirty="0"/>
+              <a:t>the count of employees in each combination of Department and </a:t>
+            </a:r>
+            <a:r>
+              <a:rPr lang="en-US" sz="2400" b="1" dirty="0" err="1"/>
+              <a:t>EducationField</a:t>
+            </a:r>
+            <a:r>
+              <a:rPr lang="en-US" sz="2400" dirty="0"/>
+              <a:t>,</a:t>
+            </a:r>
+            <a:endParaRPr lang="en-IN" sz="2400" dirty="0"/>
+          </a:p>
+        </p:txBody>
+      </p:sp>
+      <p:pic>
+        <p:nvPicPr>
+          <p:cNvPr id="5" name="Content Placeholder 4">
+            <a:extLst>
+              <a:ext uri="{FF2B5EF4-FFF2-40B4-BE49-F238E27FC236}">
+                <a16:creationId xmlns:a16="http://schemas.microsoft.com/office/drawing/2014/main" id="{CC775535-45DF-0D08-3174-946259C6B853}"/>
+              </a:ext>
+            </a:extLst>
+          </p:cNvPr>
+          <p:cNvPicPr>
+            <a:picLocks noGrp="1" noChangeAspect="1"/>
+          </p:cNvPicPr>
+          <p:nvPr>
+            <p:ph idx="1"/>
+          </p:nvPr>
+        </p:nvPicPr>
+        <p:blipFill>
+          <a:blip r:embed="rId2"/>
+          <a:stretch>
+            <a:fillRect/>
+          </a:stretch>
+        </p:blipFill>
+        <p:spPr>
+          <a:xfrm>
+            <a:off x="1732561" y="1026242"/>
+            <a:ext cx="9181245" cy="5669525"/>
+          </a:xfrm>
+        </p:spPr>
+      </p:pic>
+    </p:spTree>
+    <p:extLst>
+      <p:ext uri="{BB962C8B-B14F-4D97-AF65-F5344CB8AC3E}">
+        <p14:creationId xmlns:p14="http://schemas.microsoft.com/office/powerpoint/2010/main" val="681340747"/>
+      </p:ext>
+    </p:extLst>
+  </p:cSld>
+  <p:clrMapOvr>
+    <a:masterClrMapping/>
+  </p:clrMapOvr>
+</p:sld>
+</file>
+
+<file path=ppt/slides/slide18.xml><?xml version="1.0" encoding="utf-8"?>
+<p:sld xmlns:a="http://schemas.openxmlformats.org/drawingml/2006/main" xmlns:r="http://schemas.openxmlformats.org/officeDocument/2006/relationships" xmlns:p="http://schemas.openxmlformats.org/presentationml/2006/main">
+  <p:cSld>
+    <p:spTree>
+      <p:nvGrpSpPr>
+        <p:cNvPr id="1" name=""/>
+        <p:cNvGrpSpPr/>
+        <p:nvPr/>
+      </p:nvGrpSpPr>
+      <p:grpSpPr>
+        <a:xfrm>
+          <a:off x="0" y="0"/>
+          <a:ext cx="0" cy="0"/>
+          <a:chOff x="0" y="0"/>
+          <a:chExt cx="0" cy="0"/>
+        </a:xfrm>
+      </p:grpSpPr>
+      <p:pic>
+        <p:nvPicPr>
+          <p:cNvPr id="5" name="Content Placeholder 4">
+            <a:extLst>
+              <a:ext uri="{FF2B5EF4-FFF2-40B4-BE49-F238E27FC236}">
+                <a16:creationId xmlns:a16="http://schemas.microsoft.com/office/drawing/2014/main" id="{E88ACBF3-9490-10C6-CA27-0D841CF100B8}"/>
+              </a:ext>
+            </a:extLst>
+          </p:cNvPr>
+          <p:cNvPicPr>
+            <a:picLocks noGrp="1" noChangeAspect="1"/>
+          </p:cNvPicPr>
+          <p:nvPr>
+            <p:ph idx="1"/>
+          </p:nvPr>
+        </p:nvPicPr>
+        <p:blipFill>
+          <a:blip r:embed="rId2"/>
+          <a:stretch>
+            <a:fillRect/>
+          </a:stretch>
+        </p:blipFill>
+        <p:spPr>
+          <a:xfrm>
+            <a:off x="838200" y="762741"/>
+            <a:ext cx="10515600" cy="5332518"/>
+          </a:xfrm>
+        </p:spPr>
+      </p:pic>
+    </p:spTree>
+    <p:extLst>
+      <p:ext uri="{BB962C8B-B14F-4D97-AF65-F5344CB8AC3E}">
+        <p14:creationId xmlns:p14="http://schemas.microsoft.com/office/powerpoint/2010/main" val="226017092"/>
+      </p:ext>
+    </p:extLst>
+  </p:cSld>
+  <p:clrMapOvr>
+    <a:masterClrMapping/>
+  </p:clrMapOvr>
+</p:sld>
+</file>
+
+<file path=ppt/slides/slide19.xml><?xml version="1.0" encoding="utf-8"?>
+<p:sld xmlns:a="http://schemas.openxmlformats.org/drawingml/2006/main" xmlns:r="http://schemas.openxmlformats.org/officeDocument/2006/relationships" xmlns:p="http://schemas.openxmlformats.org/presentationml/2006/main">
+  <p:cSld>
+    <p:spTree>
+      <p:nvGrpSpPr>
+        <p:cNvPr id="1" name=""/>
+        <p:cNvGrpSpPr/>
+        <p:nvPr/>
+      </p:nvGrpSpPr>
+      <p:grpSpPr>
+        <a:xfrm>
+          <a:off x="0" y="0"/>
+          <a:ext cx="0" cy="0"/>
+          <a:chOff x="0" y="0"/>
+          <a:chExt cx="0" cy="0"/>
+        </a:xfrm>
+      </p:grpSpPr>
+      <p:sp>
+        <p:nvSpPr>
+          <p:cNvPr id="2" name="Title 1">
+            <a:extLst>
+              <a:ext uri="{FF2B5EF4-FFF2-40B4-BE49-F238E27FC236}">
                 <a16:creationId xmlns:a16="http://schemas.microsoft.com/office/drawing/2014/main" id="{61751E35-75BD-00BB-F37C-481725D3F44F}"/>
               </a:ext>
             </a:extLst>
@@ -4502,7 +5102,153 @@
 </p:sld>
 </file>
 
-<file path=ppt/slides/slide15.xml><?xml version="1.0" encoding="utf-8"?>
+<file path=ppt/slides/slide2.xml><?xml version="1.0" encoding="utf-8"?>
+<p:sld xmlns:a="http://schemas.openxmlformats.org/drawingml/2006/main" xmlns:r="http://schemas.openxmlformats.org/officeDocument/2006/relationships" xmlns:p="http://schemas.openxmlformats.org/presentationml/2006/main">
+  <p:cSld>
+    <p:spTree>
+      <p:nvGrpSpPr>
+        <p:cNvPr id="1" name=""/>
+        <p:cNvGrpSpPr/>
+        <p:nvPr/>
+      </p:nvGrpSpPr>
+      <p:grpSpPr>
+        <a:xfrm>
+          <a:off x="0" y="0"/>
+          <a:ext cx="0" cy="0"/>
+          <a:chOff x="0" y="0"/>
+          <a:chExt cx="0" cy="0"/>
+        </a:xfrm>
+      </p:grpSpPr>
+      <p:sp>
+        <p:nvSpPr>
+          <p:cNvPr id="3" name="Content Placeholder 2">
+            <a:extLst>
+              <a:ext uri="{FF2B5EF4-FFF2-40B4-BE49-F238E27FC236}">
+                <a16:creationId xmlns:a16="http://schemas.microsoft.com/office/drawing/2014/main" id="{B26160AE-93EF-DF2A-5356-7906416A9544}"/>
+              </a:ext>
+            </a:extLst>
+          </p:cNvPr>
+          <p:cNvSpPr>
+            <a:spLocks noGrp="1"/>
+          </p:cNvSpPr>
+          <p:nvPr>
+            <p:ph idx="1"/>
+          </p:nvPr>
+        </p:nvSpPr>
+        <p:spPr>
+          <a:xfrm>
+            <a:off x="474405" y="232800"/>
+            <a:ext cx="11619271" cy="6315484"/>
+          </a:xfrm>
+        </p:spPr>
+        <p:txBody>
+          <a:bodyPr>
+            <a:normAutofit fontScale="92500" lnSpcReduction="10000"/>
+          </a:bodyPr>
+          <a:lstStyle/>
+          <a:p>
+            <a:pPr>
+              <a:buNone/>
+            </a:pPr>
+            <a:r>
+              <a:rPr lang="en-US" b="1" dirty="0"/>
+              <a:t>Problem Explanation :</a:t>
+            </a:r>
+          </a:p>
+          <a:p>
+            <a:pPr>
+              <a:buNone/>
+            </a:pPr>
+            <a:r>
+              <a:rPr lang="en-US" dirty="0"/>
+              <a:t>Employee turnover is a major challenge for organizations, leading to increased costs, reduced productivity, and disruptions in team operations. Understanding the key reasons behind employee attrition and predicting at-risk employees is crucial for implementing effective retention strategies.</a:t>
+            </a:r>
+          </a:p>
+          <a:p>
+            <a:r>
+              <a:rPr lang="en-US" dirty="0"/>
+              <a:t>The objective of this project is to analyze employee data, identify key drivers of attrition, and develop predictive models to enable proactive decision-making in workforce management.</a:t>
+            </a:r>
+          </a:p>
+          <a:p>
+            <a:pPr>
+              <a:buNone/>
+            </a:pPr>
+            <a:r>
+              <a:rPr lang="en-US" b="1" dirty="0"/>
+              <a:t>Business Use Cases:</a:t>
+            </a:r>
+          </a:p>
+          <a:p>
+            <a:pPr>
+              <a:buFont typeface="+mj-lt"/>
+              <a:buAutoNum type="arabicPeriod"/>
+            </a:pPr>
+            <a:r>
+              <a:rPr lang="en-US" b="1" dirty="0"/>
+              <a:t>Employee Retention:</a:t>
+            </a:r>
+            <a:br>
+              <a:rPr lang="en-US" dirty="0"/>
+            </a:br>
+            <a:r>
+              <a:rPr lang="en-US" dirty="0"/>
+              <a:t>Identify at-risk employees and implement targeted strategies to reduce turnover.</a:t>
+            </a:r>
+          </a:p>
+          <a:p>
+            <a:pPr>
+              <a:buFont typeface="+mj-lt"/>
+              <a:buAutoNum type="arabicPeriod"/>
+            </a:pPr>
+            <a:r>
+              <a:rPr lang="en-US" b="1" dirty="0"/>
+              <a:t>Cost Optimization:</a:t>
+            </a:r>
+            <a:br>
+              <a:rPr lang="en-US" dirty="0"/>
+            </a:br>
+            <a:r>
+              <a:rPr lang="en-US" dirty="0"/>
+              <a:t>Reduce recruitment, training, and onboarding costs associated with high employee attrition.</a:t>
+            </a:r>
+          </a:p>
+          <a:p>
+            <a:pPr>
+              <a:buFont typeface="+mj-lt"/>
+              <a:buAutoNum type="arabicPeriod"/>
+            </a:pPr>
+            <a:r>
+              <a:rPr lang="en-US" b="1" dirty="0"/>
+              <a:t>Workforce Planning:</a:t>
+            </a:r>
+            <a:br>
+              <a:rPr lang="en-US" dirty="0"/>
+            </a:br>
+            <a:r>
+              <a:rPr lang="en-US" dirty="0"/>
+              <a:t>Utilize predictive insights to design employee retention strategies aligned with organizational goals and improve overall job satisfaction.</a:t>
+            </a:r>
+          </a:p>
+          <a:p>
+            <a:endParaRPr lang="en-IN" dirty="0"/>
+          </a:p>
+        </p:txBody>
+      </p:sp>
+    </p:spTree>
+    <p:extLst>
+      <p:ext uri="{BB962C8B-B14F-4D97-AF65-F5344CB8AC3E}">
+        <p14:creationId xmlns:p14="http://schemas.microsoft.com/office/powerpoint/2010/main" val="2481919920"/>
+      </p:ext>
+    </p:extLst>
+  </p:cSld>
+  <p:clrMapOvr>
+    <a:masterClrMapping/>
+  </p:clrMapOvr>
+</p:sld>
+</file>
+
+<file path=ppt/slides/slide20.xml><?xml version="1.0" encoding="utf-8"?>
 <p:sld xmlns:a="http://schemas.openxmlformats.org/drawingml/2006/main" xmlns:r="http://schemas.openxmlformats.org/officeDocument/2006/relationships" xmlns:p="http://schemas.openxmlformats.org/presentationml/2006/main">
   <p:cSld>
     <p:spTree>
@@ -4710,7 +5456,7 @@
 </p:sld>
 </file>
 
-<file path=ppt/slides/slide16.xml><?xml version="1.0" encoding="utf-8"?>
+<file path=ppt/slides/slide21.xml><?xml version="1.0" encoding="utf-8"?>
 <p:sld xmlns:a="http://schemas.openxmlformats.org/drawingml/2006/main" xmlns:r="http://schemas.openxmlformats.org/officeDocument/2006/relationships" xmlns:p="http://schemas.openxmlformats.org/presentationml/2006/main">
   <p:cSld>
     <p:spTree>
@@ -4798,7 +5544,7 @@
 </p:sld>
 </file>
 
-<file path=ppt/slides/slide17.xml><?xml version="1.0" encoding="utf-8"?>
+<file path=ppt/slides/slide22.xml><?xml version="1.0" encoding="utf-8"?>
 <p:sld xmlns:a="http://schemas.openxmlformats.org/drawingml/2006/main" xmlns:r="http://schemas.openxmlformats.org/officeDocument/2006/relationships" xmlns:p="http://schemas.openxmlformats.org/presentationml/2006/main">
   <p:cSld>
     <p:spTree>
@@ -4919,7 +5665,7 @@
 </p:sld>
 </file>
 
-<file path=ppt/slides/slide18.xml><?xml version="1.0" encoding="utf-8"?>
+<file path=ppt/slides/slide23.xml><?xml version="1.0" encoding="utf-8"?>
 <p:sld xmlns:a="http://schemas.openxmlformats.org/drawingml/2006/main" xmlns:r="http://schemas.openxmlformats.org/officeDocument/2006/relationships" xmlns:p="http://schemas.openxmlformats.org/presentationml/2006/main">
   <p:cSld>
     <p:spTree>
@@ -5037,7 +5783,7 @@
 </p:sld>
 </file>
 
-<file path=ppt/slides/slide19.xml><?xml version="1.0" encoding="utf-8"?>
+<file path=ppt/slides/slide24.xml><?xml version="1.0" encoding="utf-8"?>
 <p:sld xmlns:a="http://schemas.openxmlformats.org/drawingml/2006/main" xmlns:r="http://schemas.openxmlformats.org/officeDocument/2006/relationships" xmlns:p="http://schemas.openxmlformats.org/presentationml/2006/main">
   <p:cSld>
     <p:spTree>
@@ -5609,152 +6355,6 @@
     <p:extLst>
       <p:ext uri="{BB962C8B-B14F-4D97-AF65-F5344CB8AC3E}">
         <p14:creationId xmlns:p14="http://schemas.microsoft.com/office/powerpoint/2010/main" val="950298987"/>
-      </p:ext>
-    </p:extLst>
-  </p:cSld>
-  <p:clrMapOvr>
-    <a:masterClrMapping/>
-  </p:clrMapOvr>
-</p:sld>
-</file>
-
-<file path=ppt/slides/slide2.xml><?xml version="1.0" encoding="utf-8"?>
-<p:sld xmlns:a="http://schemas.openxmlformats.org/drawingml/2006/main" xmlns:r="http://schemas.openxmlformats.org/officeDocument/2006/relationships" xmlns:p="http://schemas.openxmlformats.org/presentationml/2006/main">
-  <p:cSld>
-    <p:spTree>
-      <p:nvGrpSpPr>
-        <p:cNvPr id="1" name=""/>
-        <p:cNvGrpSpPr/>
-        <p:nvPr/>
-      </p:nvGrpSpPr>
-      <p:grpSpPr>
-        <a:xfrm>
-          <a:off x="0" y="0"/>
-          <a:ext cx="0" cy="0"/>
-          <a:chOff x="0" y="0"/>
-          <a:chExt cx="0" cy="0"/>
-        </a:xfrm>
-      </p:grpSpPr>
-      <p:sp>
-        <p:nvSpPr>
-          <p:cNvPr id="3" name="Content Placeholder 2">
-            <a:extLst>
-              <a:ext uri="{FF2B5EF4-FFF2-40B4-BE49-F238E27FC236}">
-                <a16:creationId xmlns:a16="http://schemas.microsoft.com/office/drawing/2014/main" id="{B26160AE-93EF-DF2A-5356-7906416A9544}"/>
-              </a:ext>
-            </a:extLst>
-          </p:cNvPr>
-          <p:cNvSpPr>
-            <a:spLocks noGrp="1"/>
-          </p:cNvSpPr>
-          <p:nvPr>
-            <p:ph idx="1"/>
-          </p:nvPr>
-        </p:nvSpPr>
-        <p:spPr>
-          <a:xfrm>
-            <a:off x="474405" y="232800"/>
-            <a:ext cx="11619271" cy="6315484"/>
-          </a:xfrm>
-        </p:spPr>
-        <p:txBody>
-          <a:bodyPr>
-            <a:normAutofit fontScale="92500" lnSpcReduction="10000"/>
-          </a:bodyPr>
-          <a:lstStyle/>
-          <a:p>
-            <a:pPr>
-              <a:buNone/>
-            </a:pPr>
-            <a:r>
-              <a:rPr lang="en-US" b="1" dirty="0"/>
-              <a:t>Problem Explanation :</a:t>
-            </a:r>
-          </a:p>
-          <a:p>
-            <a:pPr>
-              <a:buNone/>
-            </a:pPr>
-            <a:r>
-              <a:rPr lang="en-US" dirty="0"/>
-              <a:t>Employee turnover is a major challenge for organizations, leading to increased costs, reduced productivity, and disruptions in team operations. Understanding the key reasons behind employee attrition and predicting at-risk employees is crucial for implementing effective retention strategies.</a:t>
-            </a:r>
-          </a:p>
-          <a:p>
-            <a:r>
-              <a:rPr lang="en-US" dirty="0"/>
-              <a:t>The objective of this project is to analyze employee data, identify key drivers of attrition, and develop predictive models to enable proactive decision-making in workforce management.</a:t>
-            </a:r>
-          </a:p>
-          <a:p>
-            <a:pPr>
-              <a:buNone/>
-            </a:pPr>
-            <a:r>
-              <a:rPr lang="en-US" b="1" dirty="0"/>
-              <a:t>Business Use Cases:</a:t>
-            </a:r>
-          </a:p>
-          <a:p>
-            <a:pPr>
-              <a:buFont typeface="+mj-lt"/>
-              <a:buAutoNum type="arabicPeriod"/>
-            </a:pPr>
-            <a:r>
-              <a:rPr lang="en-US" b="1" dirty="0"/>
-              <a:t>Employee Retention:</a:t>
-            </a:r>
-            <a:br>
-              <a:rPr lang="en-US" dirty="0"/>
-            </a:br>
-            <a:r>
-              <a:rPr lang="en-US" dirty="0"/>
-              <a:t>Identify at-risk employees and implement targeted strategies to reduce turnover.</a:t>
-            </a:r>
-          </a:p>
-          <a:p>
-            <a:pPr>
-              <a:buFont typeface="+mj-lt"/>
-              <a:buAutoNum type="arabicPeriod"/>
-            </a:pPr>
-            <a:r>
-              <a:rPr lang="en-US" b="1" dirty="0"/>
-              <a:t>Cost Optimization:</a:t>
-            </a:r>
-            <a:br>
-              <a:rPr lang="en-US" dirty="0"/>
-            </a:br>
-            <a:r>
-              <a:rPr lang="en-US" dirty="0"/>
-              <a:t>Reduce recruitment, training, and onboarding costs associated with high employee attrition.</a:t>
-            </a:r>
-          </a:p>
-          <a:p>
-            <a:pPr>
-              <a:buFont typeface="+mj-lt"/>
-              <a:buAutoNum type="arabicPeriod"/>
-            </a:pPr>
-            <a:r>
-              <a:rPr lang="en-US" b="1" dirty="0"/>
-              <a:t>Workforce Planning:</a:t>
-            </a:r>
-            <a:br>
-              <a:rPr lang="en-US" dirty="0"/>
-            </a:br>
-            <a:r>
-              <a:rPr lang="en-US" dirty="0"/>
-              <a:t>Utilize predictive insights to design employee retention strategies aligned with organizational goals and improve overall job satisfaction.</a:t>
-            </a:r>
-          </a:p>
-          <a:p>
-            <a:endParaRPr lang="en-IN" dirty="0"/>
-          </a:p>
-        </p:txBody>
-      </p:sp>
-    </p:spTree>
-    <p:extLst>
-      <p:ext uri="{BB962C8B-B14F-4D97-AF65-F5344CB8AC3E}">
-        <p14:creationId xmlns:p14="http://schemas.microsoft.com/office/powerpoint/2010/main" val="2481919920"/>
       </p:ext>
     </p:extLst>
   </p:cSld>
